--- a/music moves/Tomatoes (TOM)/ger/apprentice/ger_TOM_12_Was_passt_in_eine_Tomate.pptx
+++ b/music moves/Tomatoes (TOM)/ger/apprentice/ger_TOM_12_Was_passt_in_eine_Tomate.pptx
@@ -1858,58 +1858,60 @@
         </p:nvSpPr>
         <p:spPr/>
         <p:txBody>
-          <a:bodyPr/>
+          <a:bodyPr>
+            <a:normAutofit/>
+          </a:bodyPr>
           <a:lstStyle/>
           <a:p>
             <a:r>
-              <a:rPr lang="de-DE" dirty="0" smtClean="0"/>
+              <a:rPr lang="de-DE" sz="1100" dirty="0" smtClean="0"/>
               <a:t>Nimm Dir für den Anfang die von Francesco </a:t>
             </a:r>
             <a:r>
-              <a:rPr lang="de-DE" dirty="0" err="1" smtClean="0"/>
+              <a:rPr lang="de-DE" sz="1100" dirty="0" err="1" smtClean="0"/>
               <a:t>Cirillio</a:t>
             </a:r>
             <a:r>
-              <a:rPr lang="de-DE" dirty="0" smtClean="0"/>
+              <a:rPr lang="de-DE" sz="1100" dirty="0" smtClean="0"/>
               <a:t> vorgeschlagene Zeitspanne von 25 Minuten. Stelle Dir einen </a:t>
             </a:r>
             <a:r>
-              <a:rPr lang="de-DE" dirty="0" err="1" smtClean="0"/>
+              <a:rPr lang="de-DE" sz="1100" dirty="0" err="1" smtClean="0"/>
               <a:t>Timer</a:t>
             </a:r>
             <a:r>
-              <a:rPr lang="de-DE" dirty="0" smtClean="0"/>
+              <a:rPr lang="de-DE" sz="1100" dirty="0" smtClean="0"/>
               <a:t>, übe oder arbeite das, was gerade bei Dir anliegt. Notiere Dir nachdem der Wecker geklingelt hat </a:t>
             </a:r>
             <a:r>
-              <a:rPr lang="de-DE" dirty="0" err="1" smtClean="0"/>
+              <a:rPr lang="de-DE" sz="1100" dirty="0" err="1" smtClean="0"/>
               <a:t>wieviel</a:t>
             </a:r>
             <a:r>
-              <a:rPr lang="de-DE" dirty="0" smtClean="0"/>
+              <a:rPr lang="de-DE" sz="1100" dirty="0" smtClean="0"/>
               <a:t> Du geschafft hast.</a:t>
             </a:r>
           </a:p>
           <a:p>
             <a:r>
-              <a:rPr lang="de-DE" dirty="0" smtClean="0"/>
+              <a:rPr lang="de-DE" sz="1100" dirty="0" smtClean="0"/>
               <a:t>Für die Zertifizierung dieses </a:t>
             </a:r>
             <a:r>
-              <a:rPr lang="de-DE" dirty="0" err="1" smtClean="0"/>
+              <a:rPr lang="de-DE" sz="1100" dirty="0" err="1" smtClean="0"/>
               <a:t>Moves</a:t>
             </a:r>
             <a:r>
-              <a:rPr lang="de-DE" dirty="0" smtClean="0"/>
+              <a:rPr lang="de-DE" sz="1100" dirty="0" smtClean="0"/>
               <a:t> brauchst Du in zwei Wochen 8 Durchführungen dieser Zeitfenster.</a:t>
             </a:r>
           </a:p>
           <a:p>
             <a:r>
-              <a:rPr lang="de-DE" dirty="0" smtClean="0"/>
+              <a:rPr lang="de-DE" sz="1100" dirty="0" smtClean="0"/>
               <a:t>Teile Deine Dokumentation mit Deinem Team und lass die Deine  Ergebnisse unterschreiben.</a:t>
             </a:r>
-            <a:endParaRPr lang="de-DE" dirty="0"/>
+            <a:endParaRPr lang="de-DE" sz="1100" dirty="0"/>
           </a:p>
         </p:txBody>
       </p:sp>
